--- a/ColdFire.pptx
+++ b/ColdFire.pptx
@@ -111,6 +111,11 @@
       </a:defRPr>
     </a:lvl9pPr>
   </p:defaultTextStyle>
+  <p:extLst>
+    <p:ext uri="{EFAFB233-063F-42B5-8137-9DF3F51BA10A}">
+      <p15:sldGuideLst xmlns:p15="http://schemas.microsoft.com/office/powerpoint/2012/main"/>
+    </p:ext>
+  </p:extLst>
 </p:presentation>
 </file>
 
@@ -6936,19 +6941,34 @@
           <a:p>
             <a:r>
               <a:rPr lang="en-US" sz="2000" dirty="0"/>
-              <a:t>Cold Fire is an Android Application that lets the user share and view study material of their subject of interest.</a:t>
+              <a:t>An Android Application that:</a:t>
+            </a:r>
+          </a:p>
+          <a:p>
+            <a:pPr lvl="1"/>
+            <a:r>
+              <a:rPr lang="en-US" sz="1800" dirty="0"/>
+              <a:t>lets the user share and view study material of their subject of interest.</a:t>
             </a:r>
           </a:p>
           <a:p>
             <a:r>
               <a:rPr lang="en-US" sz="2000" dirty="0"/>
-              <a:t>Main Objective of Application is to create a Schedule for….</a:t>
-            </a:r>
-          </a:p>
-          <a:p>
-            <a:r>
-              <a:rPr lang="en-US" sz="2000" dirty="0"/>
-              <a:t>At present the application is made focusing Hofstra University Graduate Students of Computer Science Department.</a:t>
+              <a:t>Main Objective:</a:t>
+            </a:r>
+          </a:p>
+          <a:p>
+            <a:pPr lvl="1"/>
+            <a:r>
+              <a:rPr lang="en-US" sz="1800" dirty="0"/>
+              <a:t>Create a Plan of Study for current Graduate Students of Computer Science Department.</a:t>
+            </a:r>
+          </a:p>
+          <a:p>
+            <a:pPr lvl="1"/>
+            <a:r>
+              <a:rPr lang="en-US" sz="1800" dirty="0"/>
+              <a:t>Scalable to different Departments!</a:t>
             </a:r>
           </a:p>
           <a:p>
@@ -7833,7 +7853,7 @@
           <a:p>
             <a:r>
               <a:rPr lang="en-US" dirty="0"/>
-              <a:t>At Present its Developed focusing towards Computer Science Graduate Students and their respective courses.</a:t>
+              <a:t>Its developed towards Computer Science Graduate Students and their respective courses.</a:t>
             </a:r>
           </a:p>
           <a:p>
@@ -7853,13 +7873,34 @@
           <a:p>
             <a:r>
               <a:rPr lang="en-US" dirty="0"/>
-              <a:t>We expect to Targets All Hofstra Students. </a:t>
+              <a:t>We expect to targets all Hofstra Students. </a:t>
             </a:r>
           </a:p>
           <a:p>
             <a:r>
               <a:rPr lang="en-US" dirty="0"/>
-              <a:t>In future we would like to Add the Feature of “Rating the Professors” and “Solving Queries”.</a:t>
+              <a:t>In future, we would like to Add the Feature of:</a:t>
+            </a:r>
+          </a:p>
+          <a:p>
+            <a:pPr lvl="1"/>
+            <a:r>
+              <a:rPr lang="en-US" dirty="0"/>
+              <a:t>“Rating the Professors”</a:t>
+            </a:r>
+          </a:p>
+          <a:p>
+            <a:pPr lvl="1"/>
+            <a:r>
+              <a:rPr lang="en-US" dirty="0"/>
+              <a:t>“Sharing academic resources with fellow colleagues”</a:t>
+            </a:r>
+          </a:p>
+          <a:p>
+            <a:pPr lvl="1"/>
+            <a:r>
+              <a:rPr lang="en-US" dirty="0"/>
+              <a:t>“Solving Queries” (Answering FAQs)</a:t>
             </a:r>
           </a:p>
           <a:p>
